--- a/slides/EnemyDesign.pptx
+++ b/slides/EnemyDesign.pptx
@@ -5671,7 +5671,7 @@
             </a:pPr>
             <a:r>
               <a:rPr lang="en-GB" dirty="0"/>
-              <a:t>Character Design:</a:t>
+              <a:t>Enemy Design</a:t>
             </a:r>
           </a:p>
           <a:p>
@@ -5701,7 +5701,7 @@
             </a:pPr>
             <a:r>
               <a:rPr lang="en-GB" dirty="0"/>
-              <a:t>Choosing a set of moves, thinking about risk vs reward of that move set</a:t>
+              <a:t>Balancing AI, behaviour, risk, etc.</a:t>
             </a:r>
           </a:p>
           <a:p>
@@ -5731,37 +5731,7 @@
             </a:pPr>
             <a:r>
               <a:rPr lang="en-GB" dirty="0"/>
-              <a:t>State machines for programming characters</a:t>
-            </a:r>
-          </a:p>
-          <a:p>
-            <a:pPr marL="339725" indent="-339725" defTabSz="457200">
-              <a:tabLst>
-                <a:tab pos="454025" algn="l"/>
-                <a:tab pos="911225" algn="l"/>
-                <a:tab pos="1368425" algn="l"/>
-                <a:tab pos="1825625" algn="l"/>
-                <a:tab pos="2282825" algn="l"/>
-                <a:tab pos="2740025" algn="l"/>
-                <a:tab pos="3197225" algn="l"/>
-                <a:tab pos="3654425" algn="l"/>
-                <a:tab pos="4111625" algn="l"/>
-                <a:tab pos="4568825" algn="l"/>
-                <a:tab pos="5026025" algn="l"/>
-                <a:tab pos="5483225" algn="l"/>
-                <a:tab pos="5940425" algn="l"/>
-                <a:tab pos="6397625" algn="l"/>
-                <a:tab pos="6854825" algn="l"/>
-                <a:tab pos="7312025" algn="l"/>
-                <a:tab pos="7769225" algn="l"/>
-                <a:tab pos="8226425" algn="l"/>
-                <a:tab pos="8683625" algn="l"/>
-                <a:tab pos="9140825" algn="l"/>
-              </a:tabLst>
-            </a:pPr>
-            <a:r>
-              <a:rPr lang="en-GB" dirty="0"/>
-              <a:t>Enemy Design</a:t>
+              <a:t>State machines for programming enemies</a:t>
             </a:r>
           </a:p>
           <a:p>
@@ -5791,37 +5761,7 @@
             </a:pPr>
             <a:r>
               <a:rPr lang="en-GB" dirty="0"/>
-              <a:t>Balancing AI, behaviour, risk, etc.</a:t>
-            </a:r>
-          </a:p>
-          <a:p>
-            <a:pPr marL="739775" lvl="1" indent="-339725" defTabSz="457200">
-              <a:tabLst>
-                <a:tab pos="454025" algn="l"/>
-                <a:tab pos="911225" algn="l"/>
-                <a:tab pos="1368425" algn="l"/>
-                <a:tab pos="1825625" algn="l"/>
-                <a:tab pos="2282825" algn="l"/>
-                <a:tab pos="2740025" algn="l"/>
-                <a:tab pos="3197225" algn="l"/>
-                <a:tab pos="3654425" algn="l"/>
-                <a:tab pos="4111625" algn="l"/>
-                <a:tab pos="4568825" algn="l"/>
-                <a:tab pos="5026025" algn="l"/>
-                <a:tab pos="5483225" algn="l"/>
-                <a:tab pos="5940425" algn="l"/>
-                <a:tab pos="6397625" algn="l"/>
-                <a:tab pos="6854825" algn="l"/>
-                <a:tab pos="7312025" algn="l"/>
-                <a:tab pos="7769225" algn="l"/>
-                <a:tab pos="8226425" algn="l"/>
-                <a:tab pos="8683625" algn="l"/>
-                <a:tab pos="9140825" algn="l"/>
-              </a:tabLst>
-            </a:pPr>
-            <a:r>
-              <a:rPr lang="en-GB" dirty="0"/>
-              <a:t>State machines for programming enemies</a:t>
+              <a:t>Several examples of AI enemies in games</a:t>
             </a:r>
           </a:p>
         </p:txBody>

--- a/slides/EnemyDesign.pptx
+++ b/slides/EnemyDesign.pptx
@@ -4178,6 +4178,13 @@
             <a:pPr lvl="1"/>
             <a:r>
               <a:rPr lang="en-US" dirty="0"/>
+              <a:t>Wiggling</a:t>
+            </a:r>
+          </a:p>
+          <a:p>
+            <a:pPr lvl="1"/>
+            <a:r>
+              <a:rPr lang="en-US" dirty="0"/>
               <a:t>Dead</a:t>
             </a:r>
           </a:p>
@@ -4605,7 +4612,7 @@
             <a:pPr lvl="1"/>
             <a:r>
               <a:rPr lang="en-US" dirty="0"/>
-              <a:t>Dying: Health=0, goes into a rage and gets faster and stronger. Dies as soon as he picks up </a:t>
+              <a:t>Dying: Health=0, goes into a rage and gets faster and stronger. Dies as soon as picks up </a:t>
             </a:r>
             <a:r>
               <a:rPr lang="en-US" dirty="0" err="1"/>

--- a/slides/EnemyDesign.pptx
+++ b/slides/EnemyDesign.pptx
@@ -6137,7 +6137,7 @@
             </a:r>
             <a:r>
               <a:rPr lang="en-US" dirty="0"/>
-              <a:t>: Solider doesn’t know snake is around, normal patrolling</a:t>
+              <a:t>: Soldier doesn’t know snake is around, normal patrolling</a:t>
             </a:r>
           </a:p>
           <a:p>
